--- a/Project Presentation_FLAPPY BIRD_A14_B97_B93_B46.pptx
+++ b/Project Presentation_FLAPPY BIRD_A14_B97_B93_B46.pptx
@@ -13604,15 +13604,7 @@
           <a:p>
             <a:r>
               <a:rPr lang="en-US" dirty="0" smtClean="0"/>
-              <a:t>Here is a video </a:t>
-            </a:r>
-            <a:r>
-              <a:rPr lang="en-US" dirty="0" smtClean="0"/>
-              <a:t>of </a:t>
-            </a:r>
-            <a:r>
-              <a:rPr lang="en-US" dirty="0" smtClean="0"/>
-              <a:t>the gameplay.</a:t>
+              <a:t>Here is a video of the gameplay.</a:t>
             </a:r>
             <a:endParaRPr lang="en-US" dirty="0"/>
           </a:p>
@@ -13865,7 +13857,7 @@
         <p:spPr>
           <a:xfrm>
             <a:off x="2952166" y="5349429"/>
-            <a:ext cx="6360277" cy="980687"/>
+            <a:ext cx="7040331" cy="980687"/>
           </a:xfrm>
           <a:prstGeom prst="rect">
             <a:avLst/>
@@ -14105,15 +14097,23 @@
           <a:p>
             <a:r>
               <a:rPr lang="en-US" dirty="0"/>
-              <a:t>To get the full project code </a:t>
+              <a:t>To get the source code </a:t>
             </a:r>
             <a:r>
               <a:rPr lang="en-US" dirty="0" smtClean="0"/>
-              <a:t>visit</a:t>
+              <a:t>visit: </a:t>
             </a:r>
             <a:r>
-              <a:rPr lang="en-US" dirty="0" smtClean="0"/>
-              <a:t>: </a:t>
+              <a:rPr lang="en-US" u="sng" dirty="0" smtClean="0">
+                <a:hlinkClick r:id="rId2"/>
+              </a:rPr>
+              <a:t>https</a:t>
+            </a:r>
+            <a:r>
+              <a:rPr lang="en-US" u="sng" dirty="0">
+                <a:hlinkClick r:id="rId2"/>
+              </a:rPr>
+              <a:t>://github.com/rohan26062001/Flappy-Bird-in-Python</a:t>
             </a:r>
             <a:endParaRPr lang="en-US" b="1" dirty="0"/>
           </a:p>
@@ -14845,11 +14845,6 @@
               </a:rPr>
               <a:t> Chowdhury</a:t>
             </a:r>
-            <a:endParaRPr lang="en-US" dirty="0" smtClean="0">
-              <a:solidFill>
-                <a:schemeClr val="bg1"/>
-              </a:solidFill>
-            </a:endParaRPr>
           </a:p>
           <a:p>
             <a:r>
@@ -14868,15 +14863,7 @@
                   <a:schemeClr val="bg1"/>
                 </a:solidFill>
               </a:rPr>
-              <a:t>Roll – </a:t>
-            </a:r>
-            <a:r>
-              <a:rPr lang="en-US" dirty="0" smtClean="0">
-                <a:solidFill>
-                  <a:schemeClr val="bg1"/>
-                </a:solidFill>
-              </a:rPr>
-              <a:t>97</a:t>
+              <a:t>Roll – 97</a:t>
             </a:r>
             <a:endParaRPr lang="en-US" dirty="0">
               <a:solidFill>
@@ -15196,21 +15183,8 @@
                   <a:schemeClr val="bg1"/>
                 </a:solidFill>
               </a:rPr>
-              <a:t>Roll – </a:t>
+              <a:t>Roll – 93</a:t>
             </a:r>
-            <a:r>
-              <a:rPr lang="en-US" dirty="0" smtClean="0">
-                <a:solidFill>
-                  <a:schemeClr val="bg1"/>
-                </a:solidFill>
-              </a:rPr>
-              <a:t>93</a:t>
-            </a:r>
-            <a:endParaRPr lang="en-US" dirty="0" smtClean="0">
-              <a:solidFill>
-                <a:schemeClr val="bg1"/>
-              </a:solidFill>
-            </a:endParaRPr>
           </a:p>
           <a:p>
             <a:r>
@@ -15524,21 +15498,8 @@
                   <a:schemeClr val="bg1"/>
                 </a:solidFill>
               </a:rPr>
-              <a:t>Roll – </a:t>
+              <a:t>Roll – 46</a:t>
             </a:r>
-            <a:r>
-              <a:rPr lang="en-US" dirty="0" smtClean="0">
-                <a:solidFill>
-                  <a:schemeClr val="bg1"/>
-                </a:solidFill>
-              </a:rPr>
-              <a:t>46</a:t>
-            </a:r>
-            <a:endParaRPr lang="en-US" dirty="0" smtClean="0">
-              <a:solidFill>
-                <a:schemeClr val="bg1"/>
-              </a:solidFill>
-            </a:endParaRPr>
           </a:p>
           <a:p>
             <a:r>
